--- a/Project_Group5.pptx
+++ b/Project_Group5.pptx
@@ -1374,10 +1374,10 @@
     <dgm:cxn modelId="{6477A616-2BE7-654C-9B34-54234F6B0786}" type="presOf" srcId="{8076BEB3-75F8-2E4F-A444-41B05F57F098}" destId="{4FC86574-9EA3-9A41-AB27-9ACA7803E9DB}" srcOrd="0" destOrd="0" presId="urn:microsoft.com/office/officeart/2005/8/layout/StepDownProcess"/>
     <dgm:cxn modelId="{6EB1CA26-5545-5C4E-8E86-6EA720389D32}" type="presOf" srcId="{52117A07-BDCD-1D4D-9F0C-74B2735EF3AD}" destId="{CD042F2E-EC6E-9849-BC01-52A74938DA18}" srcOrd="0" destOrd="0" presId="urn:microsoft.com/office/officeart/2005/8/layout/StepDownProcess"/>
     <dgm:cxn modelId="{3DD84F33-5820-644A-8535-EF8C4AEF49F1}" type="presOf" srcId="{BA102C03-46C8-B446-BA49-1C334A7D6AE1}" destId="{4FC86574-9EA3-9A41-AB27-9ACA7803E9DB}" srcOrd="0" destOrd="3" presId="urn:microsoft.com/office/officeart/2005/8/layout/StepDownProcess"/>
+    <dgm:cxn modelId="{7D2E7C5B-E8F0-7D45-811F-25EDC19DFF90}" srcId="{7292E7C0-E014-3748-8D16-16EA40A327B3}" destId="{52117A07-BDCD-1D4D-9F0C-74B2735EF3AD}" srcOrd="1" destOrd="0" parTransId="{AC1FD6A2-BB24-CD42-95B9-03EEDFCAC2CA}" sibTransId="{F7702433-8742-7345-8C9D-FD65315DA914}"/>
     <dgm:cxn modelId="{FB6EB444-92AD-924B-B32B-072401CC6E80}" type="presOf" srcId="{7FD86E6B-4E73-FE4A-996C-D30EC453E316}" destId="{4FC86574-9EA3-9A41-AB27-9ACA7803E9DB}" srcOrd="0" destOrd="2" presId="urn:microsoft.com/office/officeart/2005/8/layout/StepDownProcess"/>
     <dgm:cxn modelId="{34072646-F9E6-4B4F-A7D6-936508D17A14}" type="presOf" srcId="{21D43B62-4456-CB44-AC6A-E44D930DB398}" destId="{46E541BF-E155-D14E-BC67-AD8697EEE528}" srcOrd="0" destOrd="0" presId="urn:microsoft.com/office/officeart/2005/8/layout/StepDownProcess"/>
     <dgm:cxn modelId="{08807B46-1F33-0544-BB6B-F36BC1F626BF}" srcId="{F8757755-F9C9-D840-8ACA-4A09534ADAF9}" destId="{848250CA-EB98-2E40-ABCF-39D68B1B24E0}" srcOrd="1" destOrd="0" parTransId="{6C64A100-A23D-674D-BE7F-73C089810C23}" sibTransId="{422BE6A4-1818-6348-9683-EDB079D6E1C4}"/>
-    <dgm:cxn modelId="{7D2E7C5B-E8F0-7D45-811F-25EDC19DFF90}" srcId="{7292E7C0-E014-3748-8D16-16EA40A327B3}" destId="{52117A07-BDCD-1D4D-9F0C-74B2735EF3AD}" srcOrd="1" destOrd="0" parTransId="{AC1FD6A2-BB24-CD42-95B9-03EEDFCAC2CA}" sibTransId="{F7702433-8742-7345-8C9D-FD65315DA914}"/>
     <dgm:cxn modelId="{515C386C-01FD-A648-A3E9-250EF0786FD5}" srcId="{21D43B62-4456-CB44-AC6A-E44D930DB398}" destId="{7FD86E6B-4E73-FE4A-996C-D30EC453E316}" srcOrd="2" destOrd="0" parTransId="{73719BC0-2BE0-844E-933D-5B2F578E3F87}" sibTransId="{E5E29563-639D-C74F-A2BC-07D3BA8FF630}"/>
     <dgm:cxn modelId="{16EB806D-4418-414C-80B0-59C8F01E136D}" type="presOf" srcId="{F8757755-F9C9-D840-8ACA-4A09534ADAF9}" destId="{FE3744E1-42BC-B44D-AF83-F8E53A4E84B0}" srcOrd="0" destOrd="0" presId="urn:microsoft.com/office/officeart/2005/8/layout/StepDownProcess"/>
     <dgm:cxn modelId="{71144D7C-571F-3C44-9AEE-E50ED6641F99}" type="presOf" srcId="{439F4BB2-63E9-9945-9D76-6D70E9C75D4D}" destId="{A083808B-4A76-AF4F-961B-536B6751A0EF}" srcOrd="0" destOrd="0" presId="urn:microsoft.com/office/officeart/2005/8/layout/StepDownProcess"/>
@@ -3528,7 +3528,7 @@
           <a:p>
             <a:fld id="{75658340-C27E-DF4C-8C4C-673FE8FA3509}" type="datetimeFigureOut">
               <a:rPr lang="en-US" smtClean="0"/>
-              <a:t>11/25/18</a:t>
+              <a:t>11/25/2018</a:t>
             </a:fld>
             <a:endParaRPr lang="en-US"/>
           </a:p>
@@ -3726,7 +3726,7 @@
           <a:p>
             <a:fld id="{75658340-C27E-DF4C-8C4C-673FE8FA3509}" type="datetimeFigureOut">
               <a:rPr lang="en-US" smtClean="0"/>
-              <a:t>11/25/18</a:t>
+              <a:t>11/25/2018</a:t>
             </a:fld>
             <a:endParaRPr lang="en-US"/>
           </a:p>
@@ -3934,7 +3934,7 @@
           <a:p>
             <a:fld id="{75658340-C27E-DF4C-8C4C-673FE8FA3509}" type="datetimeFigureOut">
               <a:rPr lang="en-US" smtClean="0"/>
-              <a:t>11/25/18</a:t>
+              <a:t>11/25/2018</a:t>
             </a:fld>
             <a:endParaRPr lang="en-US"/>
           </a:p>
@@ -4132,7 +4132,7 @@
           <a:p>
             <a:fld id="{75658340-C27E-DF4C-8C4C-673FE8FA3509}" type="datetimeFigureOut">
               <a:rPr lang="en-US" smtClean="0"/>
-              <a:t>11/25/18</a:t>
+              <a:t>11/25/2018</a:t>
             </a:fld>
             <a:endParaRPr lang="en-US"/>
           </a:p>
@@ -4407,7 +4407,7 @@
           <a:p>
             <a:fld id="{75658340-C27E-DF4C-8C4C-673FE8FA3509}" type="datetimeFigureOut">
               <a:rPr lang="en-US" smtClean="0"/>
-              <a:t>11/25/18</a:t>
+              <a:t>11/25/2018</a:t>
             </a:fld>
             <a:endParaRPr lang="en-US"/>
           </a:p>
@@ -4672,7 +4672,7 @@
           <a:p>
             <a:fld id="{75658340-C27E-DF4C-8C4C-673FE8FA3509}" type="datetimeFigureOut">
               <a:rPr lang="en-US" smtClean="0"/>
-              <a:t>11/25/18</a:t>
+              <a:t>11/25/2018</a:t>
             </a:fld>
             <a:endParaRPr lang="en-US"/>
           </a:p>
@@ -5084,7 +5084,7 @@
           <a:p>
             <a:fld id="{75658340-C27E-DF4C-8C4C-673FE8FA3509}" type="datetimeFigureOut">
               <a:rPr lang="en-US" smtClean="0"/>
-              <a:t>11/25/18</a:t>
+              <a:t>11/25/2018</a:t>
             </a:fld>
             <a:endParaRPr lang="en-US"/>
           </a:p>
@@ -5225,7 +5225,7 @@
           <a:p>
             <a:fld id="{75658340-C27E-DF4C-8C4C-673FE8FA3509}" type="datetimeFigureOut">
               <a:rPr lang="en-US" smtClean="0"/>
-              <a:t>11/25/18</a:t>
+              <a:t>11/25/2018</a:t>
             </a:fld>
             <a:endParaRPr lang="en-US"/>
           </a:p>
@@ -5338,7 +5338,7 @@
           <a:p>
             <a:fld id="{75658340-C27E-DF4C-8C4C-673FE8FA3509}" type="datetimeFigureOut">
               <a:rPr lang="en-US" smtClean="0"/>
-              <a:t>11/25/18</a:t>
+              <a:t>11/25/2018</a:t>
             </a:fld>
             <a:endParaRPr lang="en-US"/>
           </a:p>
@@ -5649,7 +5649,7 @@
           <a:p>
             <a:fld id="{75658340-C27E-DF4C-8C4C-673FE8FA3509}" type="datetimeFigureOut">
               <a:rPr lang="en-US" smtClean="0"/>
-              <a:t>11/25/18</a:t>
+              <a:t>11/25/2018</a:t>
             </a:fld>
             <a:endParaRPr lang="en-US"/>
           </a:p>
@@ -5937,7 +5937,7 @@
           <a:p>
             <a:fld id="{75658340-C27E-DF4C-8C4C-673FE8FA3509}" type="datetimeFigureOut">
               <a:rPr lang="en-US" smtClean="0"/>
-              <a:t>11/25/18</a:t>
+              <a:t>11/25/2018</a:t>
             </a:fld>
             <a:endParaRPr lang="en-US"/>
           </a:p>
@@ -6178,7 +6178,7 @@
           <a:p>
             <a:fld id="{75658340-C27E-DF4C-8C4C-673FE8FA3509}" type="datetimeFigureOut">
               <a:rPr lang="en-US" smtClean="0"/>
-              <a:t>11/25/18</a:t>
+              <a:t>11/25/2018</a:t>
             </a:fld>
             <a:endParaRPr lang="en-US"/>
           </a:p>
@@ -6733,7 +6733,7 @@
       </p:grpSpPr>
       <p:pic>
         <p:nvPicPr>
-          <p:cNvPr id="5" name="Picture 4" descr="A screenshot of a cell phone&#13;&#10;&#13;&#10;Description automatically generated">
+          <p:cNvPr id="5" name="Picture 4" descr="A screenshot of a cell phone&#10;&#10;Description automatically generated">
             <a:extLst>
               <a:ext uri="{FF2B5EF4-FFF2-40B4-BE49-F238E27FC236}">
                 <a16:creationId xmlns:a16="http://schemas.microsoft.com/office/drawing/2014/main" id="{30B6B1B5-1B68-114A-893A-90307E4AE773}"/>
@@ -6997,7 +6997,7 @@
       </p:grpSpPr>
       <p:pic>
         <p:nvPicPr>
-          <p:cNvPr id="3" name="Picture 2" descr="A screenshot of text&#13;&#10;&#13;&#10;Description automatically generated">
+          <p:cNvPr id="3" name="Picture 2" descr="A screenshot of text&#10;&#10;Description automatically generated">
             <a:extLst>
               <a:ext uri="{FF2B5EF4-FFF2-40B4-BE49-F238E27FC236}">
                 <a16:creationId xmlns:a16="http://schemas.microsoft.com/office/drawing/2014/main" id="{27195D24-04E3-1B45-B6CF-6FFF763F8598}"/>
@@ -7065,7 +7065,7 @@
       </p:grpSpPr>
       <p:pic>
         <p:nvPicPr>
-          <p:cNvPr id="3" name="Picture 2" descr="A screenshot of a cell phone&#13;&#10;&#13;&#10;Description automatically generated">
+          <p:cNvPr id="3" name="Picture 2" descr="A screenshot of a cell phone&#10;&#10;Description automatically generated">
             <a:extLst>
               <a:ext uri="{FF2B5EF4-FFF2-40B4-BE49-F238E27FC236}">
                 <a16:creationId xmlns:a16="http://schemas.microsoft.com/office/drawing/2014/main" id="{B0758428-1317-8344-BFB4-32B20A284D88}"/>
@@ -7095,7 +7095,7 @@
       </p:pic>
       <p:pic>
         <p:nvPicPr>
-          <p:cNvPr id="5" name="Picture 4" descr="A screenshot of a cell phone&#13;&#10;&#13;&#10;Description automatically generated">
+          <p:cNvPr id="5" name="Picture 4" descr="A screenshot of a cell phone&#10;&#10;Description automatically generated">
             <a:extLst>
               <a:ext uri="{FF2B5EF4-FFF2-40B4-BE49-F238E27FC236}">
                 <a16:creationId xmlns:a16="http://schemas.microsoft.com/office/drawing/2014/main" id="{F92CC19D-B63F-0145-8EC5-FC7178D4D85D}"/>
@@ -7163,7 +7163,7 @@
       </p:grpSpPr>
       <p:pic>
         <p:nvPicPr>
-          <p:cNvPr id="5" name="Picture 4" descr="A picture containing text&#13;&#10;&#13;&#10;Description automatically generated">
+          <p:cNvPr id="5" name="Picture 4" descr="A picture containing text&#10;&#10;Description automatically generated">
             <a:extLst>
               <a:ext uri="{FF2B5EF4-FFF2-40B4-BE49-F238E27FC236}">
                 <a16:creationId xmlns:a16="http://schemas.microsoft.com/office/drawing/2014/main" id="{A5F55D6B-8C02-6040-B5C6-9CD6298942E7}"/>
@@ -7193,7 +7193,7 @@
       </p:pic>
       <p:pic>
         <p:nvPicPr>
-          <p:cNvPr id="3" name="Picture 2" descr="A screenshot of a cell phone&#13;&#10;&#13;&#10;Description automatically generated">
+          <p:cNvPr id="3" name="Picture 2" descr="A screenshot of a cell phone&#10;&#10;Description automatically generated">
             <a:extLst>
               <a:ext uri="{FF2B5EF4-FFF2-40B4-BE49-F238E27FC236}">
                 <a16:creationId xmlns:a16="http://schemas.microsoft.com/office/drawing/2014/main" id="{D4D5B60C-0B24-A04F-A063-8098B27DCB8F}"/>
@@ -7308,13 +7308,21 @@
           <a:p>
             <a:r>
               <a:rPr lang="en-US" dirty="0"/>
-              <a:t>w/u confusion</a:t>
-            </a:r>
-          </a:p>
-          <a:p>
+              <a:t>W</a:t>
+            </a:r>
+            <a:r>
+              <a:rPr lang="en-US"/>
+              <a:t>/</a:t>
+            </a:r>
             <a:r>
               <a:rPr lang="en-US" dirty="0"/>
-              <a:t>o/a  confusion</a:t>
+              <a:t>u confusion</a:t>
+            </a:r>
+          </a:p>
+          <a:p>
+            <a:r>
+              <a:rPr lang="en-US" dirty="0"/>
+              <a:t>o/A confusion</a:t>
             </a:r>
           </a:p>
           <a:p>
@@ -7375,7 +7383,7 @@
       </p:grpSpPr>
       <p:pic>
         <p:nvPicPr>
-          <p:cNvPr id="5" name="Content Placeholder 4" descr="A screenshot of a cell phone&#13;&#10;&#13;&#10;Description automatically generated">
+          <p:cNvPr id="5" name="Content Placeholder 4" descr="A screenshot of a cell phone&#10;&#10;Description automatically generated">
             <a:extLst>
               <a:ext uri="{FF2B5EF4-FFF2-40B4-BE49-F238E27FC236}">
                 <a16:creationId xmlns:a16="http://schemas.microsoft.com/office/drawing/2014/main" id="{156471FA-567A-3844-A523-D960CDB3DE65}"/>
@@ -7445,7 +7453,7 @@
       </p:grpSpPr>
       <p:pic>
         <p:nvPicPr>
-          <p:cNvPr id="3" name="Picture 2" descr="A screenshot of a cell phone&#13;&#10;&#13;&#10;Description automatically generated">
+          <p:cNvPr id="3" name="Picture 2" descr="A screenshot of a cell phone&#10;&#10;Description automatically generated">
             <a:extLst>
               <a:ext uri="{FF2B5EF4-FFF2-40B4-BE49-F238E27FC236}">
                 <a16:creationId xmlns:a16="http://schemas.microsoft.com/office/drawing/2014/main" id="{54138EE4-4AC0-4B4E-BECE-A36548462B33}"/>
@@ -7552,7 +7560,7 @@
       </p:grpSpPr>
       <p:pic>
         <p:nvPicPr>
-          <p:cNvPr id="3" name="Picture 2" descr="A screenshot of a cell phone&#13;&#10;&#13;&#10;Description automatically generated">
+          <p:cNvPr id="3" name="Picture 2" descr="A screenshot of a cell phone&#10;&#10;Description automatically generated">
             <a:extLst>
               <a:ext uri="{FF2B5EF4-FFF2-40B4-BE49-F238E27FC236}">
                 <a16:creationId xmlns:a16="http://schemas.microsoft.com/office/drawing/2014/main" id="{A9FE5A8B-BBF1-C345-80DA-5B18EDB97C86}"/>
@@ -7776,7 +7784,7 @@
       </p:grpSpPr>
       <p:pic>
         <p:nvPicPr>
-          <p:cNvPr id="5" name="Picture 4" descr="A screenshot of a cell phone&#13;&#10;&#13;&#10;Description automatically generated">
+          <p:cNvPr id="5" name="Picture 4" descr="A screenshot of a cell phone&#10;&#10;Description automatically generated">
             <a:extLst>
               <a:ext uri="{FF2B5EF4-FFF2-40B4-BE49-F238E27FC236}">
                 <a16:creationId xmlns:a16="http://schemas.microsoft.com/office/drawing/2014/main" id="{DF1426E8-F22E-5845-984F-F57FF8B7FEF3}"/>
@@ -7806,7 +7814,7 @@
       </p:pic>
       <p:pic>
         <p:nvPicPr>
-          <p:cNvPr id="3" name="Picture 2" descr="A screenshot of a cell phone&#13;&#10;&#13;&#10;Description automatically generated">
+          <p:cNvPr id="3" name="Picture 2" descr="A screenshot of a cell phone&#10;&#10;Description automatically generated">
             <a:extLst>
               <a:ext uri="{FF2B5EF4-FFF2-40B4-BE49-F238E27FC236}">
                 <a16:creationId xmlns:a16="http://schemas.microsoft.com/office/drawing/2014/main" id="{8B0E77C0-65AB-1E4B-AF29-07B191D5ACD0}"/>
@@ -7866,7 +7874,7 @@
       </p:grpSpPr>
       <p:pic>
         <p:nvPicPr>
-          <p:cNvPr id="5" name="Content Placeholder 4" descr="A screenshot of a cell phone&#13;&#10;&#13;&#10;Description automatically generated">
+          <p:cNvPr id="5" name="Content Placeholder 4" descr="A screenshot of a cell phone&#10;&#10;Description automatically generated">
             <a:extLst>
               <a:ext uri="{FF2B5EF4-FFF2-40B4-BE49-F238E27FC236}">
                 <a16:creationId xmlns:a16="http://schemas.microsoft.com/office/drawing/2014/main" id="{16B198F8-F6CA-1C46-9EA3-25BAF8B2101B}"/>
@@ -7936,7 +7944,7 @@
       </p:grpSpPr>
       <p:pic>
         <p:nvPicPr>
-          <p:cNvPr id="3" name="Picture 2" descr="A screenshot of a cell phone&#13;&#10;&#13;&#10;Description automatically generated">
+          <p:cNvPr id="3" name="Picture 2" descr="A screenshot of a cell phone&#10;&#10;Description automatically generated">
             <a:extLst>
               <a:ext uri="{FF2B5EF4-FFF2-40B4-BE49-F238E27FC236}">
                 <a16:creationId xmlns:a16="http://schemas.microsoft.com/office/drawing/2014/main" id="{9BFD8414-C479-154B-84AF-4D61CFE6DA70}"/>
@@ -7966,7 +7974,7 @@
       </p:pic>
       <p:pic>
         <p:nvPicPr>
-          <p:cNvPr id="5" name="Picture 4" descr="A screenshot of a cell phone&#13;&#10;&#13;&#10;Description automatically generated">
+          <p:cNvPr id="5" name="Picture 4" descr="A screenshot of a cell phone&#10;&#10;Description automatically generated">
             <a:extLst>
               <a:ext uri="{FF2B5EF4-FFF2-40B4-BE49-F238E27FC236}">
                 <a16:creationId xmlns:a16="http://schemas.microsoft.com/office/drawing/2014/main" id="{653A61A3-9F7B-1C47-A678-76FD5CAC4D04}"/>
@@ -8034,7 +8042,7 @@
       </p:grpSpPr>
       <p:pic>
         <p:nvPicPr>
-          <p:cNvPr id="3" name="Picture 2" descr="A screenshot of a cell phone&#13;&#10;&#13;&#10;Description automatically generated">
+          <p:cNvPr id="3" name="Picture 2" descr="A screenshot of a cell phone&#10;&#10;Description automatically generated">
             <a:extLst>
               <a:ext uri="{FF2B5EF4-FFF2-40B4-BE49-F238E27FC236}">
                 <a16:creationId xmlns:a16="http://schemas.microsoft.com/office/drawing/2014/main" id="{177B36F9-3FCA-3447-B3BF-66E1A93588B1}"/>
@@ -8163,7 +8171,7 @@
       </p:sp>
       <p:pic>
         <p:nvPicPr>
-          <p:cNvPr id="15" name="Picture 14" descr="A screenshot of a cell phone&#13;&#10;&#13;&#10;Description automatically generated">
+          <p:cNvPr id="15" name="Picture 14" descr="A screenshot of a cell phone&#10;&#10;Description automatically generated">
             <a:extLst>
               <a:ext uri="{FF2B5EF4-FFF2-40B4-BE49-F238E27FC236}">
                 <a16:creationId xmlns:a16="http://schemas.microsoft.com/office/drawing/2014/main" id="{58B16E2D-AC95-3B4F-938D-35C184E3EC0A}"/>
@@ -8193,7 +8201,7 @@
       </p:pic>
       <p:pic>
         <p:nvPicPr>
-          <p:cNvPr id="17" name="Picture 16" descr="A screenshot of a cell phone&#13;&#10;&#13;&#10;Description automatically generated">
+          <p:cNvPr id="17" name="Picture 16" descr="A screenshot of a cell phone&#10;&#10;Description automatically generated">
             <a:extLst>
               <a:ext uri="{FF2B5EF4-FFF2-40B4-BE49-F238E27FC236}">
                 <a16:creationId xmlns:a16="http://schemas.microsoft.com/office/drawing/2014/main" id="{CC3011C1-919A-5143-9463-E6989D9BDAFE}"/>
@@ -8320,7 +8328,7 @@
       </p:sp>
       <p:pic>
         <p:nvPicPr>
-          <p:cNvPr id="4" name="Picture 3" descr="A screenshot of a cell phone&#13;&#10;&#13;&#10;Description automatically generated">
+          <p:cNvPr id="4" name="Picture 3" descr="A screenshot of a cell phone&#10;&#10;Description automatically generated">
             <a:extLst>
               <a:ext uri="{FF2B5EF4-FFF2-40B4-BE49-F238E27FC236}">
                 <a16:creationId xmlns:a16="http://schemas.microsoft.com/office/drawing/2014/main" id="{0827D5D9-3A1D-4D4B-B1FD-511B3FC13A79}"/>
@@ -8350,7 +8358,7 @@
       </p:pic>
       <p:pic>
         <p:nvPicPr>
-          <p:cNvPr id="6" name="Picture 5" descr="A screenshot of a cell phone&#13;&#10;&#13;&#10;Description automatically generated">
+          <p:cNvPr id="6" name="Picture 5" descr="A screenshot of a cell phone&#10;&#10;Description automatically generated">
             <a:extLst>
               <a:ext uri="{FF2B5EF4-FFF2-40B4-BE49-F238E27FC236}">
                 <a16:creationId xmlns:a16="http://schemas.microsoft.com/office/drawing/2014/main" id="{C8283138-8F4D-B54B-8D03-B2F1221C90C9}"/>
@@ -8921,7 +8929,7 @@
       </p:sp>
       <p:pic>
         <p:nvPicPr>
-          <p:cNvPr id="10" name="Content Placeholder 9" descr="A screenshot of a cell phone&#13;&#10;&#13;&#10;Description automatically generated">
+          <p:cNvPr id="10" name="Content Placeholder 9" descr="A screenshot of a cell phone&#10;&#10;Description automatically generated">
             <a:extLst>
               <a:ext uri="{FF2B5EF4-FFF2-40B4-BE49-F238E27FC236}">
                 <a16:creationId xmlns:a16="http://schemas.microsoft.com/office/drawing/2014/main" id="{64274EFB-E533-204C-BDE7-C71DEB89FCAA}"/>
@@ -9008,7 +9016,7 @@
       </p:sp>
       <p:pic>
         <p:nvPicPr>
-          <p:cNvPr id="5" name="Content Placeholder 4" descr="A screenshot of a cell phone&#13;&#10;&#13;&#10;Description automatically generated">
+          <p:cNvPr id="5" name="Content Placeholder 4" descr="A screenshot of a cell phone&#10;&#10;Description automatically generated">
             <a:extLst>
               <a:ext uri="{FF2B5EF4-FFF2-40B4-BE49-F238E27FC236}">
                 <a16:creationId xmlns:a16="http://schemas.microsoft.com/office/drawing/2014/main" id="{AF257C60-103C-1A4D-BBB1-9E7C14D886B8}"/>

--- a/Project_Group5.pptx
+++ b/Project_Group5.pptx
@@ -1374,10 +1374,10 @@
     <dgm:cxn modelId="{6477A616-2BE7-654C-9B34-54234F6B0786}" type="presOf" srcId="{8076BEB3-75F8-2E4F-A444-41B05F57F098}" destId="{4FC86574-9EA3-9A41-AB27-9ACA7803E9DB}" srcOrd="0" destOrd="0" presId="urn:microsoft.com/office/officeart/2005/8/layout/StepDownProcess"/>
     <dgm:cxn modelId="{6EB1CA26-5545-5C4E-8E86-6EA720389D32}" type="presOf" srcId="{52117A07-BDCD-1D4D-9F0C-74B2735EF3AD}" destId="{CD042F2E-EC6E-9849-BC01-52A74938DA18}" srcOrd="0" destOrd="0" presId="urn:microsoft.com/office/officeart/2005/8/layout/StepDownProcess"/>
     <dgm:cxn modelId="{3DD84F33-5820-644A-8535-EF8C4AEF49F1}" type="presOf" srcId="{BA102C03-46C8-B446-BA49-1C334A7D6AE1}" destId="{4FC86574-9EA3-9A41-AB27-9ACA7803E9DB}" srcOrd="0" destOrd="3" presId="urn:microsoft.com/office/officeart/2005/8/layout/StepDownProcess"/>
-    <dgm:cxn modelId="{7D2E7C5B-E8F0-7D45-811F-25EDC19DFF90}" srcId="{7292E7C0-E014-3748-8D16-16EA40A327B3}" destId="{52117A07-BDCD-1D4D-9F0C-74B2735EF3AD}" srcOrd="1" destOrd="0" parTransId="{AC1FD6A2-BB24-CD42-95B9-03EEDFCAC2CA}" sibTransId="{F7702433-8742-7345-8C9D-FD65315DA914}"/>
     <dgm:cxn modelId="{FB6EB444-92AD-924B-B32B-072401CC6E80}" type="presOf" srcId="{7FD86E6B-4E73-FE4A-996C-D30EC453E316}" destId="{4FC86574-9EA3-9A41-AB27-9ACA7803E9DB}" srcOrd="0" destOrd="2" presId="urn:microsoft.com/office/officeart/2005/8/layout/StepDownProcess"/>
     <dgm:cxn modelId="{34072646-F9E6-4B4F-A7D6-936508D17A14}" type="presOf" srcId="{21D43B62-4456-CB44-AC6A-E44D930DB398}" destId="{46E541BF-E155-D14E-BC67-AD8697EEE528}" srcOrd="0" destOrd="0" presId="urn:microsoft.com/office/officeart/2005/8/layout/StepDownProcess"/>
     <dgm:cxn modelId="{08807B46-1F33-0544-BB6B-F36BC1F626BF}" srcId="{F8757755-F9C9-D840-8ACA-4A09534ADAF9}" destId="{848250CA-EB98-2E40-ABCF-39D68B1B24E0}" srcOrd="1" destOrd="0" parTransId="{6C64A100-A23D-674D-BE7F-73C089810C23}" sibTransId="{422BE6A4-1818-6348-9683-EDB079D6E1C4}"/>
+    <dgm:cxn modelId="{7D2E7C5B-E8F0-7D45-811F-25EDC19DFF90}" srcId="{7292E7C0-E014-3748-8D16-16EA40A327B3}" destId="{52117A07-BDCD-1D4D-9F0C-74B2735EF3AD}" srcOrd="1" destOrd="0" parTransId="{AC1FD6A2-BB24-CD42-95B9-03EEDFCAC2CA}" sibTransId="{F7702433-8742-7345-8C9D-FD65315DA914}"/>
     <dgm:cxn modelId="{515C386C-01FD-A648-A3E9-250EF0786FD5}" srcId="{21D43B62-4456-CB44-AC6A-E44D930DB398}" destId="{7FD86E6B-4E73-FE4A-996C-D30EC453E316}" srcOrd="2" destOrd="0" parTransId="{73719BC0-2BE0-844E-933D-5B2F578E3F87}" sibTransId="{E5E29563-639D-C74F-A2BC-07D3BA8FF630}"/>
     <dgm:cxn modelId="{16EB806D-4418-414C-80B0-59C8F01E136D}" type="presOf" srcId="{F8757755-F9C9-D840-8ACA-4A09534ADAF9}" destId="{FE3744E1-42BC-B44D-AF83-F8E53A4E84B0}" srcOrd="0" destOrd="0" presId="urn:microsoft.com/office/officeart/2005/8/layout/StepDownProcess"/>
     <dgm:cxn modelId="{71144D7C-571F-3C44-9AEE-E50ED6641F99}" type="presOf" srcId="{439F4BB2-63E9-9945-9D76-6D70E9C75D4D}" destId="{A083808B-4A76-AF4F-961B-536B6751A0EF}" srcOrd="0" destOrd="0" presId="urn:microsoft.com/office/officeart/2005/8/layout/StepDownProcess"/>
@@ -3528,7 +3528,7 @@
           <a:p>
             <a:fld id="{75658340-C27E-DF4C-8C4C-673FE8FA3509}" type="datetimeFigureOut">
               <a:rPr lang="en-US" smtClean="0"/>
-              <a:t>11/25/2018</a:t>
+              <a:t>11/25/18</a:t>
             </a:fld>
             <a:endParaRPr lang="en-US"/>
           </a:p>
@@ -3726,7 +3726,7 @@
           <a:p>
             <a:fld id="{75658340-C27E-DF4C-8C4C-673FE8FA3509}" type="datetimeFigureOut">
               <a:rPr lang="en-US" smtClean="0"/>
-              <a:t>11/25/2018</a:t>
+              <a:t>11/25/18</a:t>
             </a:fld>
             <a:endParaRPr lang="en-US"/>
           </a:p>
@@ -3934,7 +3934,7 @@
           <a:p>
             <a:fld id="{75658340-C27E-DF4C-8C4C-673FE8FA3509}" type="datetimeFigureOut">
               <a:rPr lang="en-US" smtClean="0"/>
-              <a:t>11/25/2018</a:t>
+              <a:t>11/25/18</a:t>
             </a:fld>
             <a:endParaRPr lang="en-US"/>
           </a:p>
@@ -4132,7 +4132,7 @@
           <a:p>
             <a:fld id="{75658340-C27E-DF4C-8C4C-673FE8FA3509}" type="datetimeFigureOut">
               <a:rPr lang="en-US" smtClean="0"/>
-              <a:t>11/25/2018</a:t>
+              <a:t>11/25/18</a:t>
             </a:fld>
             <a:endParaRPr lang="en-US"/>
           </a:p>
@@ -4407,7 +4407,7 @@
           <a:p>
             <a:fld id="{75658340-C27E-DF4C-8C4C-673FE8FA3509}" type="datetimeFigureOut">
               <a:rPr lang="en-US" smtClean="0"/>
-              <a:t>11/25/2018</a:t>
+              <a:t>11/25/18</a:t>
             </a:fld>
             <a:endParaRPr lang="en-US"/>
           </a:p>
@@ -4672,7 +4672,7 @@
           <a:p>
             <a:fld id="{75658340-C27E-DF4C-8C4C-673FE8FA3509}" type="datetimeFigureOut">
               <a:rPr lang="en-US" smtClean="0"/>
-              <a:t>11/25/2018</a:t>
+              <a:t>11/25/18</a:t>
             </a:fld>
             <a:endParaRPr lang="en-US"/>
           </a:p>
@@ -5084,7 +5084,7 @@
           <a:p>
             <a:fld id="{75658340-C27E-DF4C-8C4C-673FE8FA3509}" type="datetimeFigureOut">
               <a:rPr lang="en-US" smtClean="0"/>
-              <a:t>11/25/2018</a:t>
+              <a:t>11/25/18</a:t>
             </a:fld>
             <a:endParaRPr lang="en-US"/>
           </a:p>
@@ -5225,7 +5225,7 @@
           <a:p>
             <a:fld id="{75658340-C27E-DF4C-8C4C-673FE8FA3509}" type="datetimeFigureOut">
               <a:rPr lang="en-US" smtClean="0"/>
-              <a:t>11/25/2018</a:t>
+              <a:t>11/25/18</a:t>
             </a:fld>
             <a:endParaRPr lang="en-US"/>
           </a:p>
@@ -5338,7 +5338,7 @@
           <a:p>
             <a:fld id="{75658340-C27E-DF4C-8C4C-673FE8FA3509}" type="datetimeFigureOut">
               <a:rPr lang="en-US" smtClean="0"/>
-              <a:t>11/25/2018</a:t>
+              <a:t>11/25/18</a:t>
             </a:fld>
             <a:endParaRPr lang="en-US"/>
           </a:p>
@@ -5649,7 +5649,7 @@
           <a:p>
             <a:fld id="{75658340-C27E-DF4C-8C4C-673FE8FA3509}" type="datetimeFigureOut">
               <a:rPr lang="en-US" smtClean="0"/>
-              <a:t>11/25/2018</a:t>
+              <a:t>11/25/18</a:t>
             </a:fld>
             <a:endParaRPr lang="en-US"/>
           </a:p>
@@ -5937,7 +5937,7 @@
           <a:p>
             <a:fld id="{75658340-C27E-DF4C-8C4C-673FE8FA3509}" type="datetimeFigureOut">
               <a:rPr lang="en-US" smtClean="0"/>
-              <a:t>11/25/2018</a:t>
+              <a:t>11/25/18</a:t>
             </a:fld>
             <a:endParaRPr lang="en-US"/>
           </a:p>
@@ -6178,7 +6178,7 @@
           <a:p>
             <a:fld id="{75658340-C27E-DF4C-8C4C-673FE8FA3509}" type="datetimeFigureOut">
               <a:rPr lang="en-US" smtClean="0"/>
-              <a:t>11/25/2018</a:t>
+              <a:t>11/25/18</a:t>
             </a:fld>
             <a:endParaRPr lang="en-US"/>
           </a:p>
